--- a/documents/Презентация. Overslept.pptx
+++ b/documents/Презентация. Overslept.pptx
@@ -10,6 +10,9 @@
     <p:sldId id="258" r:id="rId4"/>
     <p:sldId id="259" r:id="rId5"/>
     <p:sldId id="260" r:id="rId6"/>
+    <p:sldId id="261" r:id="rId7"/>
+    <p:sldId id="262" r:id="rId8"/>
+    <p:sldId id="263" r:id="rId9"/>
   </p:sldIdLst>
   <p:sldSz cx="12192000" cy="6858000"/>
   <p:notesSz cx="6858000" cy="9144000"/>
@@ -120,6 +123,7 @@
 <p1510:revInfo xmlns:a="http://schemas.openxmlformats.org/drawingml/2006/main" xmlns:r="http://schemas.openxmlformats.org/officeDocument/2006/relationships" xmlns:p1510="http://schemas.microsoft.com/office/powerpoint/2015/10/main">
   <p1510:revLst>
     <p1510:client id="{20C514F4-DEA9-43FB-BF75-D4B84CBCADCA}" v="316" dt="2021-01-30T02:47:12.258"/>
+    <p1510:client id="{66C49D3C-3EFE-42E2-8E84-9F046A7116D9}" v="402" dt="2021-02-06T10:47:06.569"/>
   </p1510:revLst>
 </p1510:revInfo>
 </file>
@@ -362,7 +366,7 @@
           <a:p>
             <a:fld id="{ED291B17-9318-49DB-B28B-6E5994AE9581}" type="datetime1">
               <a:rPr lang="en-US" smtClean="0"/>
-              <a:t>1/29/2021</a:t>
+              <a:t>2/6/2021</a:t>
             </a:fld>
             <a:endParaRPr lang="en-US" dirty="0"/>
           </a:p>
@@ -565,7 +569,7 @@
           <a:p>
             <a:fld id="{2CED4963-E985-44C4-B8C4-FDD613B7C2F8}" type="datetime1">
               <a:rPr lang="en-US" smtClean="0"/>
-              <a:t>1/29/2021</a:t>
+              <a:t>2/6/2021</a:t>
             </a:fld>
             <a:endParaRPr lang="en-US" dirty="0"/>
           </a:p>
@@ -927,7 +931,7 @@
           <a:p>
             <a:fld id="{ED291B17-9318-49DB-B28B-6E5994AE9581}" type="datetime1">
               <a:rPr lang="en-US" smtClean="0"/>
-              <a:t>1/29/2021</a:t>
+              <a:t>2/6/2021</a:t>
             </a:fld>
             <a:endParaRPr lang="en-US" dirty="0"/>
           </a:p>
@@ -1125,7 +1129,7 @@
           <a:p>
             <a:fld id="{78DD82B9-B8EE-4375-B6FF-88FA6ABB15D9}" type="datetime1">
               <a:rPr lang="en-US" smtClean="0"/>
-              <a:t>1/29/2021</a:t>
+              <a:t>2/6/2021</a:t>
             </a:fld>
             <a:endParaRPr lang="en-US" dirty="0"/>
           </a:p>
@@ -1437,7 +1441,7 @@
           <a:p>
             <a:fld id="{B2497495-0637-405E-AE64-5CC7506D51F5}" type="datetime1">
               <a:rPr lang="en-US" smtClean="0"/>
-              <a:t>1/29/2021</a:t>
+              <a:t>2/6/2021</a:t>
             </a:fld>
             <a:endParaRPr lang="en-US" dirty="0"/>
           </a:p>
@@ -1690,7 +1694,7 @@
           <a:p>
             <a:fld id="{7BFFD690-9426-415D-8B65-26881E07B2D4}" type="datetime1">
               <a:rPr lang="en-US" smtClean="0"/>
-              <a:t>1/29/2021</a:t>
+              <a:t>2/6/2021</a:t>
             </a:fld>
             <a:endParaRPr lang="en-US" dirty="0"/>
           </a:p>
@@ -2112,7 +2116,7 @@
           <a:p>
             <a:fld id="{04C4989A-474C-40DE-95B9-011C28B71673}" type="datetime1">
               <a:rPr lang="en-US" smtClean="0"/>
-              <a:t>1/29/2021</a:t>
+              <a:t>2/6/2021</a:t>
             </a:fld>
             <a:endParaRPr lang="en-US" dirty="0"/>
           </a:p>
@@ -2235,7 +2239,7 @@
           <a:p>
             <a:fld id="{5DB4ED54-5B5E-4A04-93D3-5772E3CE3818}" type="datetime1">
               <a:rPr lang="en-US" smtClean="0"/>
-              <a:t>1/29/2021</a:t>
+              <a:t>2/6/2021</a:t>
             </a:fld>
             <a:endParaRPr lang="en-US" dirty="0"/>
           </a:p>
@@ -2330,7 +2334,7 @@
           <a:p>
             <a:fld id="{4EDE50D6-574B-40AF-946F-D52A04ADE379}" type="datetime1">
               <a:rPr lang="en-US" smtClean="0"/>
-              <a:t>1/29/2021</a:t>
+              <a:t>2/6/2021</a:t>
             </a:fld>
             <a:endParaRPr lang="en-US" dirty="0"/>
           </a:p>
@@ -2707,7 +2711,7 @@
           <a:p>
             <a:fld id="{D82884F1-FFEA-405F-9602-3DCA865EDA4E}" type="datetime1">
               <a:rPr lang="en-US" smtClean="0"/>
-              <a:t>1/29/2021</a:t>
+              <a:t>2/6/2021</a:t>
             </a:fld>
             <a:endParaRPr lang="en-US" dirty="0"/>
           </a:p>
@@ -3000,7 +3004,7 @@
           <a:p>
             <a:fld id="{7E18DB4A-8810-4A10-AD5C-D5E2C667F5B3}" type="datetime1">
               <a:rPr lang="en-US" smtClean="0"/>
-              <a:t>1/29/2021</a:t>
+              <a:t>2/6/2021</a:t>
             </a:fld>
             <a:endParaRPr lang="en-US" dirty="0"/>
           </a:p>
@@ -3215,7 +3219,7 @@
           <a:p>
             <a:fld id="{ED291B17-9318-49DB-B28B-6E5994AE9581}" type="datetime1">
               <a:rPr lang="en-US" smtClean="0"/>
-              <a:t>1/29/2021</a:t>
+              <a:t>2/6/2021</a:t>
             </a:fld>
             <a:endParaRPr lang="en-US" dirty="0"/>
           </a:p>
@@ -4514,7 +4518,9 @@
         </p:nvSpPr>
         <p:spPr/>
         <p:txBody>
-          <a:bodyPr/>
+          <a:bodyPr>
+            <a:normAutofit fontScale="85000" lnSpcReduction="10000"/>
+          </a:bodyPr>
           <a:lstStyle/>
           <a:p>
             <a:pPr marL="305435" indent="-305435"/>
@@ -4562,66 +4568,77 @@
           <a:p>
             <a:pPr marL="305435" indent="-305435"/>
             <a:r>
-              <a:rPr lang="ru-RU" dirty="0">
+              <a:rPr lang="ru-RU">
                 <a:latin typeface="Book Antiqua"/>
                 <a:ea typeface="+mn-lt"/>
                 <a:cs typeface="+mn-lt"/>
               </a:rPr>
-              <a:t>Функции:</a:t>
+              <a:t>Используются функции:</a:t>
             </a:r>
           </a:p>
           <a:p>
             <a:pPr marL="305435" indent="-305435"/>
             <a:r>
-              <a:rPr lang="ru-RU" dirty="0">
+              <a:rPr lang="ru-RU">
                 <a:latin typeface="Book Antiqua"/>
                 <a:ea typeface="+mn-lt"/>
                 <a:cs typeface="+mn-lt"/>
               </a:rPr>
-              <a:t>1. Функции “</a:t>
-            </a:r>
-            <a:r>
-              <a:rPr lang="ru-RU" dirty="0" err="1">
+              <a:t>1. Функции “load...” - совокупность функций, отвечающих за загрузку изображений и подготовку их к работе.</a:t>
+            </a:r>
+          </a:p>
+          <a:p>
+            <a:pPr marL="305435" indent="-305435"/>
+            <a:r>
+              <a:rPr lang="ru-RU" dirty="0">
                 <a:latin typeface="Book Antiqua"/>
                 <a:ea typeface="+mn-lt"/>
                 <a:cs typeface="+mn-lt"/>
               </a:rPr>
-              <a:t>load</a:t>
-            </a:r>
-            <a:r>
-              <a:rPr lang="ru-RU" dirty="0">
+              <a:t>2. Функция </a:t>
+            </a:r>
+            <a:r>
+              <a:rPr lang="ru-RU" err="1">
                 <a:latin typeface="Book Antiqua"/>
                 <a:ea typeface="+mn-lt"/>
                 <a:cs typeface="+mn-lt"/>
               </a:rPr>
-              <a:t>...” - загрузка изображение и подготовка его к работе.</a:t>
-            </a:r>
-          </a:p>
-          <a:p>
-            <a:pPr marL="305435" indent="-305435"/>
+              <a:t>cut_sheet</a:t>
+            </a:r>
             <a:r>
               <a:rPr lang="ru-RU" dirty="0">
                 <a:latin typeface="Book Antiqua"/>
                 <a:ea typeface="+mn-lt"/>
                 <a:cs typeface="+mn-lt"/>
               </a:rPr>
-              <a:t>2. Функция </a:t>
-            </a:r>
-            <a:r>
-              <a:rPr lang="ru-RU" dirty="0" err="1">
+              <a:t> - функция для установки анимации.</a:t>
+            </a:r>
+          </a:p>
+          <a:p>
+            <a:pPr marL="305435" indent="-305435"/>
+            <a:r>
+              <a:rPr lang="ru-RU">
                 <a:latin typeface="Book Antiqua"/>
                 <a:ea typeface="+mn-lt"/>
                 <a:cs typeface="+mn-lt"/>
               </a:rPr>
-              <a:t>cut_sheet</a:t>
-            </a:r>
-            <a:r>
-              <a:rPr lang="ru-RU" dirty="0">
+              <a:t>Используются базы данных:</a:t>
+            </a:r>
+            <a:endParaRPr lang="ru-RU" dirty="0">
+              <a:latin typeface="Book Antiqua"/>
+              <a:ea typeface="+mn-lt"/>
+              <a:cs typeface="+mn-lt"/>
+            </a:endParaRPr>
+          </a:p>
+          <a:p>
+            <a:pPr marL="305435" indent="-305435"/>
+            <a:r>
+              <a:rPr lang="ru-RU">
                 <a:latin typeface="Book Antiqua"/>
                 <a:ea typeface="+mn-lt"/>
                 <a:cs typeface="+mn-lt"/>
               </a:rPr>
-              <a:t> - функция для установки анимации.</a:t>
+              <a:t>1. База данных “level_of_music.db” - база данных, отвечающая за сохранение громкости музыки, а также за сохранение выбора кнопки полноэкранного режима. Таблицы: music - отвечает за сохранение настроек музыки, buttons - отвечает за то, какая кнопка была нажата.</a:t>
             </a:r>
           </a:p>
         </p:txBody>
@@ -5017,6 +5034,744 @@
     <p:extLst>
       <p:ext uri="{BB962C8B-B14F-4D97-AF65-F5344CB8AC3E}">
         <p14:creationId xmlns:p14="http://schemas.microsoft.com/office/powerpoint/2010/main" val="3101919280"/>
+      </p:ext>
+    </p:extLst>
+  </p:cSld>
+  <p:clrMapOvr>
+    <a:masterClrMapping/>
+  </p:clrMapOvr>
+</p:sld>
+</file>
+
+<file path=ppt/slides/slide6.xml><?xml version="1.0" encoding="utf-8"?>
+<p:sld xmlns:a="http://schemas.openxmlformats.org/drawingml/2006/main" xmlns:r="http://schemas.openxmlformats.org/officeDocument/2006/relationships" xmlns:p="http://schemas.openxmlformats.org/presentationml/2006/main">
+  <p:cSld>
+    <p:spTree>
+      <p:nvGrpSpPr>
+        <p:cNvPr id="1" name=""/>
+        <p:cNvGrpSpPr/>
+        <p:nvPr/>
+      </p:nvGrpSpPr>
+      <p:grpSpPr>
+        <a:xfrm>
+          <a:off x="0" y="0"/>
+          <a:ext cx="0" cy="0"/>
+          <a:chOff x="0" y="0"/>
+          <a:chExt cx="0" cy="0"/>
+        </a:xfrm>
+      </p:grpSpPr>
+      <p:sp>
+        <p:nvSpPr>
+          <p:cNvPr id="2" name="Заголовок 1">
+            <a:extLst>
+              <a:ext uri="{FF2B5EF4-FFF2-40B4-BE49-F238E27FC236}">
+                <a16:creationId xmlns:a16="http://schemas.microsoft.com/office/drawing/2014/main" id="{19ACB977-6023-4BC3-B3DF-E10BF860CD48}"/>
+              </a:ext>
+            </a:extLst>
+          </p:cNvPr>
+          <p:cNvSpPr>
+            <a:spLocks noGrp="1"/>
+          </p:cNvSpPr>
+          <p:nvPr>
+            <p:ph type="title"/>
+          </p:nvPr>
+        </p:nvSpPr>
+        <p:spPr>
+          <a:xfrm>
+            <a:off x="767857" y="933450"/>
+            <a:ext cx="3031852" cy="4900761"/>
+          </a:xfrm>
+        </p:spPr>
+        <p:txBody>
+          <a:bodyPr vert="horz" lIns="91440" tIns="45720" rIns="91440" bIns="45720" rtlCol="0" anchor="ctr">
+            <a:normAutofit/>
+          </a:bodyPr>
+          <a:lstStyle/>
+          <a:p>
+            <a:pPr algn="ctr"/>
+            <a:r>
+              <a:rPr lang="ru-RU">
+                <a:latin typeface="Book Antiqua"/>
+              </a:rPr>
+              <a:t>Меню</a:t>
+            </a:r>
+            <a:endParaRPr lang="ru-RU" dirty="0">
+              <a:latin typeface="Book Antiqua"/>
+            </a:endParaRPr>
+          </a:p>
+        </p:txBody>
+      </p:sp>
+      <p:sp>
+        <p:nvSpPr>
+          <p:cNvPr id="4" name="Текст 3">
+            <a:extLst>
+              <a:ext uri="{FF2B5EF4-FFF2-40B4-BE49-F238E27FC236}">
+                <a16:creationId xmlns:a16="http://schemas.microsoft.com/office/drawing/2014/main" id="{1B0FDDA1-0CAF-46E4-8DD5-8059ABE1D68D}"/>
+              </a:ext>
+            </a:extLst>
+          </p:cNvPr>
+          <p:cNvSpPr>
+            <a:spLocks noGrp="1"/>
+          </p:cNvSpPr>
+          <p:nvPr>
+            <p:ph type="body" sz="half" idx="2"/>
+          </p:nvPr>
+        </p:nvSpPr>
+        <p:spPr>
+          <a:xfrm>
+            <a:off x="4537751" y="1312656"/>
+            <a:ext cx="986484" cy="1627785"/>
+          </a:xfrm>
+        </p:spPr>
+        <p:txBody>
+          <a:bodyPr/>
+          <a:lstStyle/>
+          <a:p>
+            <a:endParaRPr lang="ru-RU"/>
+          </a:p>
+        </p:txBody>
+      </p:sp>
+      <p:pic>
+        <p:nvPicPr>
+          <p:cNvPr id="6" name="Рисунок 6">
+            <a:extLst>
+              <a:ext uri="{FF2B5EF4-FFF2-40B4-BE49-F238E27FC236}">
+                <a16:creationId xmlns:a16="http://schemas.microsoft.com/office/drawing/2014/main" id="{A59613C8-EBCB-4B39-8174-FA2F7B2A3873}"/>
+              </a:ext>
+            </a:extLst>
+          </p:cNvPr>
+          <p:cNvPicPr>
+            <a:picLocks noChangeAspect="1"/>
+          </p:cNvPicPr>
+          <p:nvPr/>
+        </p:nvPicPr>
+        <p:blipFill>
+          <a:blip r:embed="rId2"/>
+          <a:stretch>
+            <a:fillRect/>
+          </a:stretch>
+        </p:blipFill>
+        <p:spPr>
+          <a:xfrm>
+            <a:off x="8785058" y="3750003"/>
+            <a:ext cx="2743200" cy="1623942"/>
+          </a:xfrm>
+          <a:prstGeom prst="rect">
+            <a:avLst/>
+          </a:prstGeom>
+        </p:spPr>
+      </p:pic>
+      <p:pic>
+        <p:nvPicPr>
+          <p:cNvPr id="8" name="Рисунок 8" descr="Изображение выглядит как текст, знак&#10;&#10;Автоматически созданное описание">
+            <a:extLst>
+              <a:ext uri="{FF2B5EF4-FFF2-40B4-BE49-F238E27FC236}">
+                <a16:creationId xmlns:a16="http://schemas.microsoft.com/office/drawing/2014/main" id="{D40D8B4E-4663-4BFA-A392-BF54795952DD}"/>
+              </a:ext>
+            </a:extLst>
+          </p:cNvPr>
+          <p:cNvPicPr>
+            <a:picLocks noChangeAspect="1"/>
+          </p:cNvPicPr>
+          <p:nvPr/>
+        </p:nvPicPr>
+        <p:blipFill>
+          <a:blip r:embed="rId3"/>
+          <a:stretch>
+            <a:fillRect/>
+          </a:stretch>
+        </p:blipFill>
+        <p:spPr>
+          <a:xfrm>
+            <a:off x="6288505" y="1133508"/>
+            <a:ext cx="3866146" cy="2294957"/>
+          </a:xfrm>
+          <a:prstGeom prst="rect">
+            <a:avLst/>
+          </a:prstGeom>
+        </p:spPr>
+      </p:pic>
+      <p:pic>
+        <p:nvPicPr>
+          <p:cNvPr id="9" name="Рисунок 9">
+            <a:extLst>
+              <a:ext uri="{FF2B5EF4-FFF2-40B4-BE49-F238E27FC236}">
+                <a16:creationId xmlns:a16="http://schemas.microsoft.com/office/drawing/2014/main" id="{8196EA63-AA1B-4EEC-9CA7-9140B8F3996C}"/>
+              </a:ext>
+            </a:extLst>
+          </p:cNvPr>
+          <p:cNvPicPr>
+            <a:picLocks noChangeAspect="1"/>
+          </p:cNvPicPr>
+          <p:nvPr/>
+        </p:nvPicPr>
+        <p:blipFill>
+          <a:blip r:embed="rId4"/>
+          <a:stretch>
+            <a:fillRect/>
+          </a:stretch>
+        </p:blipFill>
+        <p:spPr>
+          <a:xfrm>
+            <a:off x="4914899" y="3754073"/>
+            <a:ext cx="2743200" cy="1615802"/>
+          </a:xfrm>
+          <a:prstGeom prst="rect">
+            <a:avLst/>
+          </a:prstGeom>
+        </p:spPr>
+      </p:pic>
+      <p:sp>
+        <p:nvSpPr>
+          <p:cNvPr id="11" name="Объект 10">
+            <a:extLst>
+              <a:ext uri="{FF2B5EF4-FFF2-40B4-BE49-F238E27FC236}">
+                <a16:creationId xmlns:a16="http://schemas.microsoft.com/office/drawing/2014/main" id="{1E47B370-132F-4F86-95E6-027D9053664B}"/>
+              </a:ext>
+            </a:extLst>
+          </p:cNvPr>
+          <p:cNvSpPr>
+            <a:spLocks noGrp="1"/>
+          </p:cNvSpPr>
+          <p:nvPr>
+            <p:ph idx="1"/>
+          </p:nvPr>
+        </p:nvSpPr>
+        <p:spPr>
+          <a:xfrm>
+            <a:off x="10385322" y="5551302"/>
+            <a:ext cx="1156571" cy="818137"/>
+          </a:xfrm>
+        </p:spPr>
+        <p:txBody>
+          <a:bodyPr/>
+          <a:lstStyle/>
+          <a:p>
+            <a:pPr marL="305435" indent="-305435"/>
+            <a:endParaRPr lang="ru-RU" dirty="0">
+              <a:latin typeface="Book Antiqua"/>
+            </a:endParaRPr>
+          </a:p>
+        </p:txBody>
+      </p:sp>
+      <p:sp>
+        <p:nvSpPr>
+          <p:cNvPr id="12" name="TextBox 11">
+            <a:extLst>
+              <a:ext uri="{FF2B5EF4-FFF2-40B4-BE49-F238E27FC236}">
+                <a16:creationId xmlns:a16="http://schemas.microsoft.com/office/drawing/2014/main" id="{7A8569D1-895B-4FFC-B211-EDA9AEA29AF2}"/>
+              </a:ext>
+            </a:extLst>
+          </p:cNvPr>
+          <p:cNvSpPr txBox="1"/>
+          <p:nvPr/>
+        </p:nvSpPr>
+        <p:spPr>
+          <a:xfrm>
+            <a:off x="4533900" y="6057901"/>
+            <a:ext cx="4197015" cy="369332"/>
+          </a:xfrm>
+          <a:prstGeom prst="rect">
+            <a:avLst/>
+          </a:prstGeom>
+          <a:noFill/>
+        </p:spPr>
+        <p:txBody>
+          <a:bodyPr rot="0" spcFirstLastPara="0" vertOverflow="overflow" horzOverflow="overflow" vert="horz" wrap="square" lIns="91440" tIns="45720" rIns="91440" bIns="45720" numCol="1" spcCol="0" rtlCol="0" fromWordArt="0" anchor="t" anchorCtr="0" forceAA="0" compatLnSpc="1">
+            <a:prstTxWarp prst="textNoShape">
+              <a:avLst/>
+            </a:prstTxWarp>
+            <a:spAutoFit/>
+          </a:bodyPr>
+          <a:lstStyle/>
+          <a:p>
+            <a:r>
+              <a:rPr lang="ru-RU">
+                <a:latin typeface="Book Antiqua"/>
+              </a:rPr>
+              <a:t>Меню, сохранения, настройки</a:t>
+            </a:r>
+            <a:endParaRPr lang="ru-RU" dirty="0">
+              <a:latin typeface="Book Antiqua"/>
+            </a:endParaRPr>
+          </a:p>
+        </p:txBody>
+      </p:sp>
+    </p:spTree>
+    <p:extLst>
+      <p:ext uri="{BB962C8B-B14F-4D97-AF65-F5344CB8AC3E}">
+        <p14:creationId xmlns:p14="http://schemas.microsoft.com/office/powerpoint/2010/main" val="109980740"/>
+      </p:ext>
+    </p:extLst>
+  </p:cSld>
+  <p:clrMapOvr>
+    <a:masterClrMapping/>
+  </p:clrMapOvr>
+</p:sld>
+</file>
+
+<file path=ppt/slides/slide7.xml><?xml version="1.0" encoding="utf-8"?>
+<p:sld xmlns:a="http://schemas.openxmlformats.org/drawingml/2006/main" xmlns:r="http://schemas.openxmlformats.org/officeDocument/2006/relationships" xmlns:p="http://schemas.openxmlformats.org/presentationml/2006/main">
+  <p:cSld>
+    <p:spTree>
+      <p:nvGrpSpPr>
+        <p:cNvPr id="1" name=""/>
+        <p:cNvGrpSpPr/>
+        <p:nvPr/>
+      </p:nvGrpSpPr>
+      <p:grpSpPr>
+        <a:xfrm>
+          <a:off x="0" y="0"/>
+          <a:ext cx="0" cy="0"/>
+          <a:chOff x="0" y="0"/>
+          <a:chExt cx="0" cy="0"/>
+        </a:xfrm>
+      </p:grpSpPr>
+      <p:sp>
+        <p:nvSpPr>
+          <p:cNvPr id="2" name="Заголовок 1">
+            <a:extLst>
+              <a:ext uri="{FF2B5EF4-FFF2-40B4-BE49-F238E27FC236}">
+                <a16:creationId xmlns:a16="http://schemas.microsoft.com/office/drawing/2014/main" id="{93FE6B00-2551-40DB-BE14-0EF8A897F50E}"/>
+              </a:ext>
+            </a:extLst>
+          </p:cNvPr>
+          <p:cNvSpPr>
+            <a:spLocks noGrp="1"/>
+          </p:cNvSpPr>
+          <p:nvPr>
+            <p:ph type="title"/>
+          </p:nvPr>
+        </p:nvSpPr>
+        <p:spPr>
+          <a:xfrm>
+            <a:off x="767857" y="933450"/>
+            <a:ext cx="3031852" cy="4900761"/>
+          </a:xfrm>
+        </p:spPr>
+        <p:txBody>
+          <a:bodyPr vert="horz" lIns="91440" tIns="45720" rIns="91440" bIns="45720" rtlCol="0" anchor="ctr">
+            <a:normAutofit/>
+          </a:bodyPr>
+          <a:lstStyle/>
+          <a:p>
+            <a:pPr algn="ctr"/>
+            <a:r>
+              <a:rPr lang="ru-RU">
+                <a:latin typeface="Book Antiqua"/>
+              </a:rPr>
+              <a:t>Карта</a:t>
+            </a:r>
+            <a:endParaRPr lang="ru-RU"/>
+          </a:p>
+        </p:txBody>
+      </p:sp>
+      <p:pic>
+        <p:nvPicPr>
+          <p:cNvPr id="5" name="Рисунок 5" descr="Изображение выглядит как карта&#10;&#10;Автоматически созданное описание">
+            <a:extLst>
+              <a:ext uri="{FF2B5EF4-FFF2-40B4-BE49-F238E27FC236}">
+                <a16:creationId xmlns:a16="http://schemas.microsoft.com/office/drawing/2014/main" id="{DAA351C3-2280-4BAE-9610-12B857D56493}"/>
+              </a:ext>
+            </a:extLst>
+          </p:cNvPr>
+          <p:cNvPicPr>
+            <a:picLocks noGrp="1" noChangeAspect="1"/>
+          </p:cNvPicPr>
+          <p:nvPr>
+            <p:ph idx="1"/>
+          </p:nvPr>
+        </p:nvPicPr>
+        <p:blipFill>
+          <a:blip r:embed="rId2"/>
+          <a:stretch>
+            <a:fillRect/>
+          </a:stretch>
+        </p:blipFill>
+        <p:spPr>
+          <a:xfrm>
+            <a:off x="6712274" y="3591072"/>
+            <a:ext cx="4771504" cy="2810659"/>
+          </a:xfrm>
+        </p:spPr>
+      </p:pic>
+      <p:sp>
+        <p:nvSpPr>
+          <p:cNvPr id="4" name="Текст 3">
+            <a:extLst>
+              <a:ext uri="{FF2B5EF4-FFF2-40B4-BE49-F238E27FC236}">
+                <a16:creationId xmlns:a16="http://schemas.microsoft.com/office/drawing/2014/main" id="{81717ECD-ED28-4BFF-BD22-DE08C57C8316}"/>
+              </a:ext>
+            </a:extLst>
+          </p:cNvPr>
+          <p:cNvSpPr>
+            <a:spLocks noGrp="1"/>
+          </p:cNvSpPr>
+          <p:nvPr>
+            <p:ph type="body" sz="half" idx="2"/>
+          </p:nvPr>
+        </p:nvSpPr>
+        <p:spPr>
+          <a:xfrm>
+            <a:off x="4619609" y="780299"/>
+            <a:ext cx="1852318" cy="5621417"/>
+          </a:xfrm>
+        </p:spPr>
+        <p:txBody>
+          <a:bodyPr/>
+          <a:lstStyle/>
+          <a:p>
+            <a:r>
+              <a:rPr lang="ru-RU">
+                <a:latin typeface="Corbel"/>
+              </a:rPr>
+              <a:t>ВВВВВ</a:t>
+            </a:r>
+            <a:endParaRPr lang="ru-RU"/>
+          </a:p>
+        </p:txBody>
+      </p:sp>
+      <p:pic>
+        <p:nvPicPr>
+          <p:cNvPr id="6" name="Рисунок 6" descr="Изображение выглядит как карта&#10;&#10;Автоматически созданное описание">
+            <a:extLst>
+              <a:ext uri="{FF2B5EF4-FFF2-40B4-BE49-F238E27FC236}">
+                <a16:creationId xmlns:a16="http://schemas.microsoft.com/office/drawing/2014/main" id="{F9343255-5D4A-4BAF-9427-AC321FE7E6A5}"/>
+              </a:ext>
+            </a:extLst>
+          </p:cNvPr>
+          <p:cNvPicPr>
+            <a:picLocks noChangeAspect="1"/>
+          </p:cNvPicPr>
+          <p:nvPr/>
+        </p:nvPicPr>
+        <p:blipFill>
+          <a:blip r:embed="rId3"/>
+          <a:stretch>
+            <a:fillRect/>
+          </a:stretch>
+        </p:blipFill>
+        <p:spPr>
+          <a:xfrm>
+            <a:off x="6707688" y="780710"/>
+            <a:ext cx="4778678" cy="2812251"/>
+          </a:xfrm>
+          <a:prstGeom prst="rect">
+            <a:avLst/>
+          </a:prstGeom>
+        </p:spPr>
+      </p:pic>
+      <p:sp>
+        <p:nvSpPr>
+          <p:cNvPr id="7" name="TextBox 6">
+            <a:extLst>
+              <a:ext uri="{FF2B5EF4-FFF2-40B4-BE49-F238E27FC236}">
+                <a16:creationId xmlns:a16="http://schemas.microsoft.com/office/drawing/2014/main" id="{FB1C4664-A0AB-44AE-8A73-0AB32621C606}"/>
+              </a:ext>
+            </a:extLst>
+          </p:cNvPr>
+          <p:cNvSpPr txBox="1"/>
+          <p:nvPr/>
+        </p:nvSpPr>
+        <p:spPr>
+          <a:xfrm>
+            <a:off x="4172953" y="743953"/>
+            <a:ext cx="2743200" cy="369332"/>
+          </a:xfrm>
+          <a:prstGeom prst="rect">
+            <a:avLst/>
+          </a:prstGeom>
+          <a:noFill/>
+        </p:spPr>
+        <p:txBody>
+          <a:bodyPr rot="0" spcFirstLastPara="0" vertOverflow="overflow" horzOverflow="overflow" vert="horz" wrap="square" lIns="91440" tIns="45720" rIns="91440" bIns="45720" numCol="1" spcCol="0" rtlCol="0" fromWordArt="0" anchor="t" anchorCtr="0" forceAA="0" compatLnSpc="1">
+            <a:prstTxWarp prst="textNoShape">
+              <a:avLst/>
+            </a:prstTxWarp>
+            <a:spAutoFit/>
+          </a:bodyPr>
+          <a:lstStyle/>
+          <a:p>
+            <a:pPr algn="l"/>
+            <a:r>
+              <a:rPr lang="ru-RU">
+                <a:latin typeface="Book Antiqua"/>
+              </a:rPr>
+              <a:t>Карта</a:t>
+            </a:r>
+          </a:p>
+        </p:txBody>
+      </p:sp>
+      <p:sp>
+        <p:nvSpPr>
+          <p:cNvPr id="8" name="TextBox 7">
+            <a:extLst>
+              <a:ext uri="{FF2B5EF4-FFF2-40B4-BE49-F238E27FC236}">
+                <a16:creationId xmlns:a16="http://schemas.microsoft.com/office/drawing/2014/main" id="{69B1DD95-6FF6-4937-A10D-2E6867466B47}"/>
+              </a:ext>
+            </a:extLst>
+          </p:cNvPr>
+          <p:cNvSpPr txBox="1"/>
+          <p:nvPr/>
+        </p:nvSpPr>
+        <p:spPr>
+          <a:xfrm>
+            <a:off x="4165433" y="3593933"/>
+            <a:ext cx="2743200" cy="369332"/>
+          </a:xfrm>
+          <a:prstGeom prst="rect">
+            <a:avLst/>
+          </a:prstGeom>
+          <a:noFill/>
+        </p:spPr>
+        <p:txBody>
+          <a:bodyPr rot="0" spcFirstLastPara="0" vertOverflow="overflow" horzOverflow="overflow" vert="horz" wrap="square" lIns="91440" tIns="45720" rIns="91440" bIns="45720" numCol="1" spcCol="0" rtlCol="0" fromWordArt="0" anchor="t" anchorCtr="0" forceAA="0" compatLnSpc="1">
+            <a:prstTxWarp prst="textNoShape">
+              <a:avLst/>
+            </a:prstTxWarp>
+            <a:spAutoFit/>
+          </a:bodyPr>
+          <a:lstStyle/>
+          <a:p>
+            <a:r>
+              <a:rPr lang="ru-RU">
+                <a:latin typeface="Book Antiqua"/>
+              </a:rPr>
+              <a:t>Различные магазины</a:t>
+            </a:r>
+          </a:p>
+        </p:txBody>
+      </p:sp>
+    </p:spTree>
+    <p:extLst>
+      <p:ext uri="{BB962C8B-B14F-4D97-AF65-F5344CB8AC3E}">
+        <p14:creationId xmlns:p14="http://schemas.microsoft.com/office/powerpoint/2010/main" val="1119098372"/>
+      </p:ext>
+    </p:extLst>
+  </p:cSld>
+  <p:clrMapOvr>
+    <a:masterClrMapping/>
+  </p:clrMapOvr>
+</p:sld>
+</file>
+
+<file path=ppt/slides/slide8.xml><?xml version="1.0" encoding="utf-8"?>
+<p:sld xmlns:a="http://schemas.openxmlformats.org/drawingml/2006/main" xmlns:r="http://schemas.openxmlformats.org/officeDocument/2006/relationships" xmlns:p="http://schemas.openxmlformats.org/presentationml/2006/main">
+  <p:cSld>
+    <p:spTree>
+      <p:nvGrpSpPr>
+        <p:cNvPr id="1" name=""/>
+        <p:cNvGrpSpPr/>
+        <p:nvPr/>
+      </p:nvGrpSpPr>
+      <p:grpSpPr>
+        <a:xfrm>
+          <a:off x="0" y="0"/>
+          <a:ext cx="0" cy="0"/>
+          <a:chOff x="0" y="0"/>
+          <a:chExt cx="0" cy="0"/>
+        </a:xfrm>
+      </p:grpSpPr>
+      <p:sp>
+        <p:nvSpPr>
+          <p:cNvPr id="2" name="Заголовок 1">
+            <a:extLst>
+              <a:ext uri="{FF2B5EF4-FFF2-40B4-BE49-F238E27FC236}">
+                <a16:creationId xmlns:a16="http://schemas.microsoft.com/office/drawing/2014/main" id="{812DFFF9-2518-47C3-B819-32A8E02C3575}"/>
+              </a:ext>
+            </a:extLst>
+          </p:cNvPr>
+          <p:cNvSpPr>
+            <a:spLocks noGrp="1"/>
+          </p:cNvSpPr>
+          <p:nvPr>
+            <p:ph type="title"/>
+          </p:nvPr>
+        </p:nvSpPr>
+        <p:spPr>
+          <a:xfrm>
+            <a:off x="767857" y="933450"/>
+            <a:ext cx="3031852" cy="4900761"/>
+          </a:xfrm>
+        </p:spPr>
+        <p:txBody>
+          <a:bodyPr vert="horz" lIns="91440" tIns="45720" rIns="91440" bIns="45720" rtlCol="0" anchor="ctr">
+            <a:normAutofit/>
+          </a:bodyPr>
+          <a:lstStyle/>
+          <a:p>
+            <a:pPr algn="ctr"/>
+            <a:r>
+              <a:rPr lang="ru-RU">
+                <a:latin typeface="Book Antiqua"/>
+              </a:rPr>
+              <a:t>Уровень</a:t>
+            </a:r>
+            <a:endParaRPr lang="ru-RU"/>
+          </a:p>
+        </p:txBody>
+      </p:sp>
+      <p:pic>
+        <p:nvPicPr>
+          <p:cNvPr id="5" name="Рисунок 5">
+            <a:extLst>
+              <a:ext uri="{FF2B5EF4-FFF2-40B4-BE49-F238E27FC236}">
+                <a16:creationId xmlns:a16="http://schemas.microsoft.com/office/drawing/2014/main" id="{FD7E51F2-5B36-4840-B0F9-3044CEFD9F0F}"/>
+              </a:ext>
+            </a:extLst>
+          </p:cNvPr>
+          <p:cNvPicPr>
+            <a:picLocks noGrp="1" noChangeAspect="1"/>
+          </p:cNvPicPr>
+          <p:nvPr>
+            <p:ph idx="1"/>
+          </p:nvPr>
+        </p:nvPicPr>
+        <p:blipFill>
+          <a:blip r:embed="rId2"/>
+          <a:stretch>
+            <a:fillRect/>
+          </a:stretch>
+        </p:blipFill>
+        <p:spPr>
+          <a:xfrm>
+            <a:off x="5984288" y="3267804"/>
+            <a:ext cx="4323849" cy="2567740"/>
+          </a:xfrm>
+        </p:spPr>
+      </p:pic>
+      <p:sp>
+        <p:nvSpPr>
+          <p:cNvPr id="4" name="Текст 3">
+            <a:extLst>
+              <a:ext uri="{FF2B5EF4-FFF2-40B4-BE49-F238E27FC236}">
+                <a16:creationId xmlns:a16="http://schemas.microsoft.com/office/drawing/2014/main" id="{8D2DA4E9-60E6-4DC2-83FD-B5983C20C8A8}"/>
+              </a:ext>
+            </a:extLst>
+          </p:cNvPr>
+          <p:cNvSpPr>
+            <a:spLocks noGrp="1"/>
+          </p:cNvSpPr>
+          <p:nvPr>
+            <p:ph type="body" sz="half" idx="2"/>
+          </p:nvPr>
+        </p:nvSpPr>
+        <p:spPr/>
+        <p:txBody>
+          <a:bodyPr/>
+          <a:lstStyle/>
+          <a:p>
+            <a:endParaRPr lang="ru-RU"/>
+          </a:p>
+        </p:txBody>
+      </p:sp>
+      <p:pic>
+        <p:nvPicPr>
+          <p:cNvPr id="6" name="Рисунок 6" descr="Изображение выглядит как текст, день&#10;&#10;Автоматически созданное описание">
+            <a:extLst>
+              <a:ext uri="{FF2B5EF4-FFF2-40B4-BE49-F238E27FC236}">
+                <a16:creationId xmlns:a16="http://schemas.microsoft.com/office/drawing/2014/main" id="{88F2BD2A-7760-4AC2-B36E-BA8D64B71DF7}"/>
+              </a:ext>
+            </a:extLst>
+          </p:cNvPr>
+          <p:cNvPicPr>
+            <a:picLocks noChangeAspect="1"/>
+          </p:cNvPicPr>
+          <p:nvPr/>
+        </p:nvPicPr>
+        <p:blipFill>
+          <a:blip r:embed="rId3"/>
+          <a:stretch>
+            <a:fillRect/>
+          </a:stretch>
+        </p:blipFill>
+        <p:spPr>
+          <a:xfrm>
+            <a:off x="4363453" y="898072"/>
+            <a:ext cx="3465094" cy="2053962"/>
+          </a:xfrm>
+          <a:prstGeom prst="rect">
+            <a:avLst/>
+          </a:prstGeom>
+        </p:spPr>
+      </p:pic>
+      <p:pic>
+        <p:nvPicPr>
+          <p:cNvPr id="7" name="Рисунок 7" descr="Изображение выглядит как текст&#10;&#10;Автоматически созданное описание">
+            <a:extLst>
+              <a:ext uri="{FF2B5EF4-FFF2-40B4-BE49-F238E27FC236}">
+                <a16:creationId xmlns:a16="http://schemas.microsoft.com/office/drawing/2014/main" id="{23265875-4154-467F-8953-36B4D7A00773}"/>
+              </a:ext>
+            </a:extLst>
+          </p:cNvPr>
+          <p:cNvPicPr>
+            <a:picLocks noChangeAspect="1"/>
+          </p:cNvPicPr>
+          <p:nvPr/>
+        </p:nvPicPr>
+        <p:blipFill>
+          <a:blip r:embed="rId4"/>
+          <a:stretch>
+            <a:fillRect/>
+          </a:stretch>
+        </p:blipFill>
+        <p:spPr>
+          <a:xfrm>
+            <a:off x="8333874" y="895373"/>
+            <a:ext cx="3465094" cy="2039308"/>
+          </a:xfrm>
+          <a:prstGeom prst="rect">
+            <a:avLst/>
+          </a:prstGeom>
+        </p:spPr>
+      </p:pic>
+      <p:sp>
+        <p:nvSpPr>
+          <p:cNvPr id="8" name="TextBox 7">
+            <a:extLst>
+              <a:ext uri="{FF2B5EF4-FFF2-40B4-BE49-F238E27FC236}">
+                <a16:creationId xmlns:a16="http://schemas.microsoft.com/office/drawing/2014/main" id="{32A9EF6B-8B75-422F-8F52-685D4D320153}"/>
+              </a:ext>
+            </a:extLst>
+          </p:cNvPr>
+          <p:cNvSpPr txBox="1"/>
+          <p:nvPr/>
+        </p:nvSpPr>
+        <p:spPr>
+          <a:xfrm>
+            <a:off x="4363453" y="6108032"/>
+            <a:ext cx="2743200" cy="369332"/>
+          </a:xfrm>
+          <a:prstGeom prst="rect">
+            <a:avLst/>
+          </a:prstGeom>
+          <a:noFill/>
+        </p:spPr>
+        <p:txBody>
+          <a:bodyPr rot="0" spcFirstLastPara="0" vertOverflow="overflow" horzOverflow="overflow" vert="horz" wrap="square" lIns="91440" tIns="45720" rIns="91440" bIns="45720" numCol="1" spcCol="0" rtlCol="0" fromWordArt="0" anchor="t" anchorCtr="0" forceAA="0" compatLnSpc="1">
+            <a:prstTxWarp prst="textNoShape">
+              <a:avLst/>
+            </a:prstTxWarp>
+            <a:spAutoFit/>
+          </a:bodyPr>
+          <a:lstStyle/>
+          <a:p>
+            <a:r>
+              <a:rPr lang="ru-RU">
+                <a:latin typeface="Book Antiqua"/>
+              </a:rPr>
+              <a:t>Поля боя, окно победы</a:t>
+            </a:r>
+            <a:endParaRPr lang="ru-RU" dirty="0">
+              <a:latin typeface="Book Antiqua"/>
+            </a:endParaRPr>
+          </a:p>
+        </p:txBody>
+      </p:sp>
+    </p:spTree>
+    <p:extLst>
+      <p:ext uri="{BB962C8B-B14F-4D97-AF65-F5344CB8AC3E}">
+        <p14:creationId xmlns:p14="http://schemas.microsoft.com/office/powerpoint/2010/main" val="2820636920"/>
       </p:ext>
     </p:extLst>
   </p:cSld>
